--- a/원더월 HTML 클론 코딩.pptx
+++ b/원더월 HTML 클론 코딩.pptx
@@ -17,8 +17,9 @@
     <p:sldId id="263" r:id="rId11"/>
     <p:sldId id="266" r:id="rId12"/>
     <p:sldId id="267" r:id="rId13"/>
-    <p:sldId id="268" r:id="rId14"/>
-    <p:sldId id="269" r:id="rId15"/>
+    <p:sldId id="270" r:id="rId14"/>
+    <p:sldId id="268" r:id="rId15"/>
+    <p:sldId id="269" r:id="rId16"/>
   </p:sldIdLst>
   <p:sldSz cx="12192000" cy="6858000"/>
   <p:notesSz cx="6858000" cy="9144000"/>
@@ -283,7 +284,7 @@
           <a:p>
             <a:fld id="{3B24B10A-CDA5-48D2-BC16-2F9062D2F9A6}" type="datetimeFigureOut">
               <a:rPr lang="ko-KR" altLang="en-US" smtClean="0"/>
-              <a:t>2023-10-31</a:t>
+              <a:t>2023-11-09</a:t>
             </a:fld>
             <a:endParaRPr lang="ko-KR" altLang="en-US"/>
           </a:p>
@@ -481,7 +482,7 @@
           <a:p>
             <a:fld id="{3B24B10A-CDA5-48D2-BC16-2F9062D2F9A6}" type="datetimeFigureOut">
               <a:rPr lang="ko-KR" altLang="en-US" smtClean="0"/>
-              <a:t>2023-10-31</a:t>
+              <a:t>2023-11-09</a:t>
             </a:fld>
             <a:endParaRPr lang="ko-KR" altLang="en-US"/>
           </a:p>
@@ -689,7 +690,7 @@
           <a:p>
             <a:fld id="{3B24B10A-CDA5-48D2-BC16-2F9062D2F9A6}" type="datetimeFigureOut">
               <a:rPr lang="ko-KR" altLang="en-US" smtClean="0"/>
-              <a:t>2023-10-31</a:t>
+              <a:t>2023-11-09</a:t>
             </a:fld>
             <a:endParaRPr lang="ko-KR" altLang="en-US"/>
           </a:p>
@@ -887,7 +888,7 @@
           <a:p>
             <a:fld id="{3B24B10A-CDA5-48D2-BC16-2F9062D2F9A6}" type="datetimeFigureOut">
               <a:rPr lang="ko-KR" altLang="en-US" smtClean="0"/>
-              <a:t>2023-10-31</a:t>
+              <a:t>2023-11-09</a:t>
             </a:fld>
             <a:endParaRPr lang="ko-KR" altLang="en-US"/>
           </a:p>
@@ -1162,7 +1163,7 @@
           <a:p>
             <a:fld id="{3B24B10A-CDA5-48D2-BC16-2F9062D2F9A6}" type="datetimeFigureOut">
               <a:rPr lang="ko-KR" altLang="en-US" smtClean="0"/>
-              <a:t>2023-10-31</a:t>
+              <a:t>2023-11-09</a:t>
             </a:fld>
             <a:endParaRPr lang="ko-KR" altLang="en-US"/>
           </a:p>
@@ -1427,7 +1428,7 @@
           <a:p>
             <a:fld id="{3B24B10A-CDA5-48D2-BC16-2F9062D2F9A6}" type="datetimeFigureOut">
               <a:rPr lang="ko-KR" altLang="en-US" smtClean="0"/>
-              <a:t>2023-10-31</a:t>
+              <a:t>2023-11-09</a:t>
             </a:fld>
             <a:endParaRPr lang="ko-KR" altLang="en-US"/>
           </a:p>
@@ -1839,7 +1840,7 @@
           <a:p>
             <a:fld id="{3B24B10A-CDA5-48D2-BC16-2F9062D2F9A6}" type="datetimeFigureOut">
               <a:rPr lang="ko-KR" altLang="en-US" smtClean="0"/>
-              <a:t>2023-10-31</a:t>
+              <a:t>2023-11-09</a:t>
             </a:fld>
             <a:endParaRPr lang="ko-KR" altLang="en-US"/>
           </a:p>
@@ -1980,7 +1981,7 @@
           <a:p>
             <a:fld id="{3B24B10A-CDA5-48D2-BC16-2F9062D2F9A6}" type="datetimeFigureOut">
               <a:rPr lang="ko-KR" altLang="en-US" smtClean="0"/>
-              <a:t>2023-10-31</a:t>
+              <a:t>2023-11-09</a:t>
             </a:fld>
             <a:endParaRPr lang="ko-KR" altLang="en-US"/>
           </a:p>
@@ -2093,7 +2094,7 @@
           <a:p>
             <a:fld id="{3B24B10A-CDA5-48D2-BC16-2F9062D2F9A6}" type="datetimeFigureOut">
               <a:rPr lang="ko-KR" altLang="en-US" smtClean="0"/>
-              <a:t>2023-10-31</a:t>
+              <a:t>2023-11-09</a:t>
             </a:fld>
             <a:endParaRPr lang="ko-KR" altLang="en-US"/>
           </a:p>
@@ -2404,7 +2405,7 @@
           <a:p>
             <a:fld id="{3B24B10A-CDA5-48D2-BC16-2F9062D2F9A6}" type="datetimeFigureOut">
               <a:rPr lang="ko-KR" altLang="en-US" smtClean="0"/>
-              <a:t>2023-10-31</a:t>
+              <a:t>2023-11-09</a:t>
             </a:fld>
             <a:endParaRPr lang="ko-KR" altLang="en-US"/>
           </a:p>
@@ -2692,7 +2693,7 @@
           <a:p>
             <a:fld id="{3B24B10A-CDA5-48D2-BC16-2F9062D2F9A6}" type="datetimeFigureOut">
               <a:rPr lang="ko-KR" altLang="en-US" smtClean="0"/>
-              <a:t>2023-10-31</a:t>
+              <a:t>2023-11-09</a:t>
             </a:fld>
             <a:endParaRPr lang="ko-KR" altLang="en-US"/>
           </a:p>
@@ -2933,7 +2934,7 @@
           <a:p>
             <a:fld id="{3B24B10A-CDA5-48D2-BC16-2F9062D2F9A6}" type="datetimeFigureOut">
               <a:rPr lang="ko-KR" altLang="en-US" smtClean="0"/>
-              <a:t>2023-10-31</a:t>
+              <a:t>2023-11-09</a:t>
             </a:fld>
             <a:endParaRPr lang="ko-KR" altLang="en-US"/>
           </a:p>
@@ -4498,7 +4499,7 @@
         <p:spPr>
           <a:xfrm>
             <a:off x="643272" y="596313"/>
-            <a:ext cx="5009705" cy="584775"/>
+            <a:ext cx="3217547" cy="584775"/>
           </a:xfrm>
           <a:prstGeom prst="rect">
             <a:avLst/>
@@ -4529,7 +4530,7 @@
                 <a:latin typeface="Noto Sans KR" panose="020B0500000000000000" pitchFamily="34" charset="-127"/>
                 <a:ea typeface="Noto Sans KR" panose="020B0500000000000000" pitchFamily="34" charset="-127"/>
               </a:rPr>
-              <a:t>문제 해결 방법 및 느낀 점</a:t>
+              <a:t>문제 해결 방법</a:t>
             </a:r>
           </a:p>
         </p:txBody>
@@ -5253,7 +5254,7 @@
         <p:spPr>
           <a:xfrm>
             <a:off x="643272" y="596313"/>
-            <a:ext cx="5009705" cy="584775"/>
+            <a:ext cx="1989647" cy="584775"/>
           </a:xfrm>
           <a:prstGeom prst="rect">
             <a:avLst/>
@@ -5284,7 +5285,7 @@
                 <a:latin typeface="Noto Sans KR" panose="020B0500000000000000" pitchFamily="34" charset="-127"/>
                 <a:ea typeface="Noto Sans KR" panose="020B0500000000000000" pitchFamily="34" charset="-127"/>
               </a:rPr>
-              <a:t>문제 해결 방법 및 느낀 점</a:t>
+              <a:t>느낀 점</a:t>
             </a:r>
           </a:p>
         </p:txBody>
@@ -5674,8 +5675,8 @@
         </p:nvSpPr>
         <p:spPr>
           <a:xfrm>
-            <a:off x="1308988" y="2977130"/>
-            <a:ext cx="1593706" cy="1107996"/>
+            <a:off x="643272" y="2800521"/>
+            <a:ext cx="817853" cy="646331"/>
           </a:xfrm>
           <a:prstGeom prst="rect">
             <a:avLst/>
@@ -5689,7 +5690,7 @@
           <a:lstStyle/>
           <a:p>
             <a:r>
-              <a:rPr lang="ko-KR" altLang="en-US" sz="6600" dirty="0"/>
+              <a:rPr lang="ko-KR" altLang="en-US" sz="3600" dirty="0"/>
               <a:t>😚</a:t>
             </a:r>
           </a:p>
@@ -5709,8 +5710,8 @@
         </p:nvSpPr>
         <p:spPr>
           <a:xfrm>
-            <a:off x="1308988" y="1714925"/>
-            <a:ext cx="1346844" cy="1107996"/>
+            <a:off x="643272" y="1758899"/>
+            <a:ext cx="817853" cy="646331"/>
           </a:xfrm>
           <a:prstGeom prst="rect">
             <a:avLst/>
@@ -5724,7 +5725,7 @@
           <a:lstStyle/>
           <a:p>
             <a:r>
-              <a:rPr lang="ko-KR" altLang="en-US" sz="6600" dirty="0"/>
+              <a:rPr lang="ko-KR" altLang="en-US" sz="3600" dirty="0"/>
               <a:t>😊</a:t>
             </a:r>
           </a:p>
@@ -5744,8 +5745,8 @@
         </p:nvSpPr>
         <p:spPr>
           <a:xfrm>
-            <a:off x="1308988" y="4239335"/>
-            <a:ext cx="1346844" cy="1107996"/>
+            <a:off x="643272" y="3846244"/>
+            <a:ext cx="817853" cy="646331"/>
           </a:xfrm>
           <a:prstGeom prst="rect">
             <a:avLst/>
@@ -5759,7 +5760,7 @@
           <a:lstStyle/>
           <a:p>
             <a:r>
-              <a:rPr lang="ko-KR" altLang="en-US" sz="6600" dirty="0"/>
+              <a:rPr lang="ko-KR" altLang="en-US" sz="3600" dirty="0"/>
               <a:t>😁</a:t>
             </a:r>
           </a:p>
@@ -5779,8 +5780,8 @@
         </p:nvSpPr>
         <p:spPr>
           <a:xfrm>
-            <a:off x="2902694" y="1945758"/>
-            <a:ext cx="1194389" cy="646331"/>
+            <a:off x="1368671" y="1893633"/>
+            <a:ext cx="9533246" cy="400110"/>
           </a:xfrm>
           <a:prstGeom prst="rect">
             <a:avLst/>
@@ -5794,23 +5795,41 @@
           <a:lstStyle/>
           <a:p>
             <a:r>
-              <a:rPr lang="ko-KR" altLang="en-US" sz="3600" b="1" dirty="0">
+              <a:rPr lang="ko-KR" altLang="en-US" sz="2000" b="1" dirty="0">
                 <a:latin typeface="Noto Sans KR" panose="020B0500000000000000" pitchFamily="34" charset="-127"/>
                 <a:ea typeface="Noto Sans KR" panose="020B0500000000000000" pitchFamily="34" charset="-127"/>
               </a:rPr>
               <a:t>지현 </a:t>
             </a:r>
             <a:r>
-              <a:rPr lang="en-US" altLang="ko-KR" sz="3600" b="1" dirty="0">
+              <a:rPr lang="en-US" altLang="ko-KR" sz="2000" b="1" dirty="0">
                 <a:latin typeface="Noto Sans KR" panose="020B0500000000000000" pitchFamily="34" charset="-127"/>
                 <a:ea typeface="Noto Sans KR" panose="020B0500000000000000" pitchFamily="34" charset="-127"/>
               </a:rPr>
               <a:t>: </a:t>
             </a:r>
-            <a:endParaRPr lang="ko-KR" altLang="en-US" sz="3600" b="1" dirty="0">
-              <a:latin typeface="Noto Sans KR" panose="020B0500000000000000" pitchFamily="34" charset="-127"/>
-              <a:ea typeface="Noto Sans KR" panose="020B0500000000000000" pitchFamily="34" charset="-127"/>
-            </a:endParaRPr>
+            <a:r>
+              <a:rPr lang="ko-KR" altLang="en-US" sz="2000" b="1" dirty="0">
+                <a:latin typeface="Noto Sans KR" panose="020B0500000000000000" pitchFamily="34" charset="-127"/>
+                <a:ea typeface="Noto Sans KR" panose="020B0500000000000000" pitchFamily="34" charset="-127"/>
+              </a:rPr>
+              <a:t>오류 수정을 통해 코드 구조 및 작성에 대해 </a:t>
+            </a:r>
+            <a:r>
+              <a:rPr lang="ko-KR" altLang="en-US" sz="2000" b="1" dirty="0" err="1">
+                <a:latin typeface="Noto Sans KR" panose="020B0500000000000000" pitchFamily="34" charset="-127"/>
+                <a:ea typeface="Noto Sans KR" panose="020B0500000000000000" pitchFamily="34" charset="-127"/>
+              </a:rPr>
+              <a:t>능숙해졌다</a:t>
+            </a:r>
+            <a:r>
+              <a:rPr lang="en-US" altLang="ko-KR" sz="2000" b="1" dirty="0">
+                <a:latin typeface="Noto Sans KR" panose="020B0500000000000000" pitchFamily="34" charset="-127"/>
+                <a:ea typeface="Noto Sans KR" panose="020B0500000000000000" pitchFamily="34" charset="-127"/>
+              </a:rPr>
+              <a:t>.</a:t>
+            </a:r>
+            <a:endParaRPr lang="ko-KR" altLang="en-US" sz="2000" dirty="0"/>
           </a:p>
         </p:txBody>
       </p:sp>
@@ -5828,8 +5847,8 @@
         </p:nvSpPr>
         <p:spPr>
           <a:xfrm>
-            <a:off x="2902693" y="3187118"/>
-            <a:ext cx="6698507" cy="646331"/>
+            <a:off x="1368671" y="2935255"/>
+            <a:ext cx="8604000" cy="400110"/>
           </a:xfrm>
           <a:prstGeom prst="rect">
             <a:avLst/>
@@ -5843,23 +5862,34 @@
           <a:lstStyle/>
           <a:p>
             <a:r>
-              <a:rPr lang="ko-KR" altLang="en-US" sz="3600" b="1" dirty="0">
+              <a:rPr lang="ko-KR" altLang="en-US" sz="2000" b="1" dirty="0">
                 <a:latin typeface="Noto Sans KR" panose="020B0500000000000000" pitchFamily="34" charset="-127"/>
                 <a:ea typeface="Noto Sans KR" panose="020B0500000000000000" pitchFamily="34" charset="-127"/>
               </a:rPr>
               <a:t>연주 </a:t>
             </a:r>
             <a:r>
-              <a:rPr lang="en-US" altLang="ko-KR" sz="3600" b="1" dirty="0">
-                <a:latin typeface="Noto Sans KR" panose="020B0500000000000000" pitchFamily="34" charset="-127"/>
-                <a:ea typeface="Noto Sans KR" panose="020B0500000000000000" pitchFamily="34" charset="-127"/>
-              </a:rPr>
-              <a:t>:</a:t>
-            </a:r>
-            <a:endParaRPr lang="ko-KR" altLang="en-US" sz="3600" b="1" dirty="0">
-              <a:latin typeface="Noto Sans KR" panose="020B0500000000000000" pitchFamily="34" charset="-127"/>
-              <a:ea typeface="Noto Sans KR" panose="020B0500000000000000" pitchFamily="34" charset="-127"/>
-            </a:endParaRPr>
+              <a:rPr lang="en-US" altLang="ko-KR" sz="2000" b="1" dirty="0">
+                <a:latin typeface="Noto Sans KR" panose="020B0500000000000000" pitchFamily="34" charset="-127"/>
+                <a:ea typeface="Noto Sans KR" panose="020B0500000000000000" pitchFamily="34" charset="-127"/>
+              </a:rPr>
+              <a:t>: </a:t>
+            </a:r>
+            <a:r>
+              <a:rPr lang="ko-KR" altLang="en-US" sz="2000" b="1" dirty="0">
+                <a:latin typeface="Noto Sans KR" panose="020B0500000000000000" pitchFamily="34" charset="-127"/>
+                <a:ea typeface="Noto Sans KR" panose="020B0500000000000000" pitchFamily="34" charset="-127"/>
+              </a:rPr>
+              <a:t>정규 강의 내용을 복습할 수 있는 유익한 시간이 되었다</a:t>
+            </a:r>
+            <a:r>
+              <a:rPr lang="en-US" altLang="ko-KR" sz="2000" b="1" dirty="0">
+                <a:latin typeface="Noto Sans KR" panose="020B0500000000000000" pitchFamily="34" charset="-127"/>
+                <a:ea typeface="Noto Sans KR" panose="020B0500000000000000" pitchFamily="34" charset="-127"/>
+              </a:rPr>
+              <a:t>.</a:t>
+            </a:r>
+            <a:endParaRPr lang="ko-KR" altLang="en-US" sz="2000" dirty="0"/>
           </a:p>
         </p:txBody>
       </p:sp>
@@ -5877,8 +5907,8 @@
         </p:nvSpPr>
         <p:spPr>
           <a:xfrm>
-            <a:off x="2913330" y="4428478"/>
-            <a:ext cx="1194389" cy="646331"/>
+            <a:off x="1368671" y="3987018"/>
+            <a:ext cx="10335649" cy="1323439"/>
           </a:xfrm>
           <a:prstGeom prst="rect">
             <a:avLst/>
@@ -5892,181 +5922,139 @@
           <a:lstStyle/>
           <a:p>
             <a:r>
-              <a:rPr lang="ko-KR" altLang="en-US" sz="3600" b="1" dirty="0">
+              <a:rPr lang="ko-KR" altLang="en-US" sz="2000" b="1" dirty="0">
                 <a:latin typeface="Noto Sans KR" panose="020B0500000000000000" pitchFamily="34" charset="-127"/>
                 <a:ea typeface="Noto Sans KR" panose="020B0500000000000000" pitchFamily="34" charset="-127"/>
               </a:rPr>
               <a:t>효진 </a:t>
             </a:r>
             <a:r>
-              <a:rPr lang="en-US" altLang="ko-KR" sz="3600" b="1" dirty="0">
-                <a:latin typeface="Noto Sans KR" panose="020B0500000000000000" pitchFamily="34" charset="-127"/>
-                <a:ea typeface="Noto Sans KR" panose="020B0500000000000000" pitchFamily="34" charset="-127"/>
-              </a:rPr>
-              <a:t>:</a:t>
-            </a:r>
-            <a:endParaRPr lang="ko-KR" altLang="en-US" sz="3600" b="1" dirty="0">
+              <a:rPr lang="en-US" altLang="ko-KR" sz="2000" b="1" dirty="0">
+                <a:latin typeface="Noto Sans KR" panose="020B0500000000000000" pitchFamily="34" charset="-127"/>
+                <a:ea typeface="Noto Sans KR" panose="020B0500000000000000" pitchFamily="34" charset="-127"/>
+              </a:rPr>
+              <a:t>: html </a:t>
+            </a:r>
+            <a:r>
+              <a:rPr lang="ko-KR" altLang="en-US" sz="2000" b="1" dirty="0">
+                <a:latin typeface="Noto Sans KR" panose="020B0500000000000000" pitchFamily="34" charset="-127"/>
+                <a:ea typeface="Noto Sans KR" panose="020B0500000000000000" pitchFamily="34" charset="-127"/>
+              </a:rPr>
+              <a:t>부분의 구조와 </a:t>
+            </a:r>
+            <a:r>
+              <a:rPr lang="en-US" altLang="ko-KR" sz="2000" b="1" dirty="0" err="1">
+                <a:latin typeface="Noto Sans KR" panose="020B0500000000000000" pitchFamily="34" charset="-127"/>
+                <a:ea typeface="Noto Sans KR" panose="020B0500000000000000" pitchFamily="34" charset="-127"/>
+              </a:rPr>
+              <a:t>css</a:t>
+            </a:r>
+            <a:r>
+              <a:rPr lang="en-US" altLang="ko-KR" sz="2000" b="1" dirty="0">
+                <a:latin typeface="Noto Sans KR" panose="020B0500000000000000" pitchFamily="34" charset="-127"/>
+                <a:ea typeface="Noto Sans KR" panose="020B0500000000000000" pitchFamily="34" charset="-127"/>
+              </a:rPr>
+              <a:t> </a:t>
+            </a:r>
+            <a:r>
+              <a:rPr lang="ko-KR" altLang="en-US" sz="2000" b="1" dirty="0">
+                <a:latin typeface="Noto Sans KR" panose="020B0500000000000000" pitchFamily="34" charset="-127"/>
+                <a:ea typeface="Noto Sans KR" panose="020B0500000000000000" pitchFamily="34" charset="-127"/>
+              </a:rPr>
+              <a:t>스타일 코드에 대해 아직 익숙하지 않아 </a:t>
+            </a:r>
+            <a:endParaRPr lang="en-US" altLang="ko-KR" sz="2000" b="1" dirty="0">
               <a:latin typeface="Noto Sans KR" panose="020B0500000000000000" pitchFamily="34" charset="-127"/>
               <a:ea typeface="Noto Sans KR" panose="020B0500000000000000" pitchFamily="34" charset="-127"/>
             </a:endParaRPr>
           </a:p>
-        </p:txBody>
-      </p:sp>
-      <p:sp>
-        <p:nvSpPr>
-          <p:cNvPr id="10" name="TextBox 9">
-            <a:extLst>
-              <a:ext uri="{FF2B5EF4-FFF2-40B4-BE49-F238E27FC236}">
-                <a16:creationId xmlns:a16="http://schemas.microsoft.com/office/drawing/2014/main" id="{D1F5908D-1B28-E0D7-A8D8-3261E54100B7}"/>
-              </a:ext>
-            </a:extLst>
-          </p:cNvPr>
-          <p:cNvSpPr txBox="1"/>
-          <p:nvPr/>
-        </p:nvSpPr>
-        <p:spPr>
-          <a:xfrm>
-            <a:off x="4362117" y="3266790"/>
-            <a:ext cx="7090403" cy="461665"/>
-          </a:xfrm>
-          <a:prstGeom prst="rect">
-            <a:avLst/>
-          </a:prstGeom>
-          <a:noFill/>
-        </p:spPr>
-        <p:txBody>
-          <a:bodyPr wrap="none" rtlCol="0">
-            <a:spAutoFit/>
-          </a:bodyPr>
-          <a:lstStyle/>
-          <a:p>
-            <a:r>
-              <a:rPr lang="ko-KR" altLang="en-US" sz="2400" b="1" dirty="0">
-                <a:latin typeface="Noto Sans KR" panose="020B0500000000000000" pitchFamily="34" charset="-127"/>
-                <a:ea typeface="Noto Sans KR" panose="020B0500000000000000" pitchFamily="34" charset="-127"/>
-              </a:rPr>
-              <a:t>정규 강의 내용을 복습할 수 있는 유익한 시간이 되었다</a:t>
-            </a:r>
-            <a:r>
-              <a:rPr lang="en-US" altLang="ko-KR" sz="2400" b="1" dirty="0">
-                <a:latin typeface="Noto Sans KR" panose="020B0500000000000000" pitchFamily="34" charset="-127"/>
-                <a:ea typeface="Noto Sans KR" panose="020B0500000000000000" pitchFamily="34" charset="-127"/>
-              </a:rPr>
-              <a:t>.</a:t>
-            </a:r>
-            <a:endParaRPr lang="ko-KR" altLang="en-US" sz="2400" dirty="0"/>
-          </a:p>
-        </p:txBody>
-      </p:sp>
-      <p:sp>
-        <p:nvSpPr>
-          <p:cNvPr id="11" name="TextBox 10">
-            <a:extLst>
-              <a:ext uri="{FF2B5EF4-FFF2-40B4-BE49-F238E27FC236}">
-                <a16:creationId xmlns:a16="http://schemas.microsoft.com/office/drawing/2014/main" id="{10B7CD42-B3C1-091D-8C41-949F3B802D8F}"/>
-              </a:ext>
-            </a:extLst>
-          </p:cNvPr>
-          <p:cNvSpPr txBox="1"/>
-          <p:nvPr/>
-        </p:nvSpPr>
-        <p:spPr>
-          <a:xfrm>
-            <a:off x="4362116" y="2038090"/>
-            <a:ext cx="7090403" cy="461665"/>
-          </a:xfrm>
-          <a:prstGeom prst="rect">
-            <a:avLst/>
-          </a:prstGeom>
-          <a:noFill/>
-        </p:spPr>
-        <p:txBody>
-          <a:bodyPr wrap="none" rtlCol="0">
-            <a:spAutoFit/>
-          </a:bodyPr>
-          <a:lstStyle/>
-          <a:p>
-            <a:r>
-              <a:rPr lang="ko-KR" altLang="en-US" sz="2400" b="1" dirty="0">
-                <a:latin typeface="Noto Sans KR" panose="020B0500000000000000" pitchFamily="34" charset="-127"/>
-                <a:ea typeface="Noto Sans KR" panose="020B0500000000000000" pitchFamily="34" charset="-127"/>
-              </a:rPr>
-              <a:t>오류 수정을 통해 코드 구조 및 작성에 대해 </a:t>
-            </a:r>
-            <a:r>
-              <a:rPr lang="ko-KR" altLang="en-US" sz="2400" b="1" dirty="0" err="1">
-                <a:latin typeface="Noto Sans KR" panose="020B0500000000000000" pitchFamily="34" charset="-127"/>
-                <a:ea typeface="Noto Sans KR" panose="020B0500000000000000" pitchFamily="34" charset="-127"/>
-              </a:rPr>
-              <a:t>능숙해졌다</a:t>
-            </a:r>
-            <a:r>
-              <a:rPr lang="en-US" altLang="ko-KR" sz="2400" b="1" dirty="0">
-                <a:latin typeface="Noto Sans KR" panose="020B0500000000000000" pitchFamily="34" charset="-127"/>
-                <a:ea typeface="Noto Sans KR" panose="020B0500000000000000" pitchFamily="34" charset="-127"/>
-              </a:rPr>
-              <a:t>.</a:t>
-            </a:r>
-            <a:endParaRPr lang="ko-KR" altLang="en-US" sz="2400" dirty="0"/>
-          </a:p>
-        </p:txBody>
-      </p:sp>
-      <p:sp>
-        <p:nvSpPr>
-          <p:cNvPr id="26" name="TextBox 25">
-            <a:extLst>
-              <a:ext uri="{FF2B5EF4-FFF2-40B4-BE49-F238E27FC236}">
-                <a16:creationId xmlns:a16="http://schemas.microsoft.com/office/drawing/2014/main" id="{5F648A68-9590-1AF1-4D58-FBB2D2C6A1FD}"/>
-              </a:ext>
-            </a:extLst>
-          </p:cNvPr>
-          <p:cNvSpPr txBox="1"/>
-          <p:nvPr/>
-        </p:nvSpPr>
-        <p:spPr>
-          <a:xfrm>
-            <a:off x="4362116" y="4516334"/>
-            <a:ext cx="6282489" cy="830997"/>
-          </a:xfrm>
-          <a:prstGeom prst="rect">
-            <a:avLst/>
-          </a:prstGeom>
-          <a:noFill/>
-        </p:spPr>
-        <p:txBody>
-          <a:bodyPr wrap="none" rtlCol="0">
-            <a:spAutoFit/>
-          </a:bodyPr>
-          <a:lstStyle/>
-          <a:p>
-            <a:r>
-              <a:rPr lang="ko-KR" altLang="en-US" sz="2400" b="1" dirty="0">
-                <a:latin typeface="Noto Sans KR" panose="020B0500000000000000" pitchFamily="34" charset="-127"/>
-                <a:ea typeface="Noto Sans KR" panose="020B0500000000000000" pitchFamily="34" charset="-127"/>
-              </a:rPr>
-              <a:t>다른 사람과 협업하는 프로젝트를 통해 협동심을 </a:t>
-            </a:r>
-            <a:endParaRPr lang="en-US" altLang="ko-KR" sz="2400" b="1" dirty="0">
+          <a:p>
+            <a:r>
+              <a:rPr lang="en-US" altLang="ko-KR" sz="2000" b="1" dirty="0">
+                <a:latin typeface="Noto Sans KR" panose="020B0500000000000000" pitchFamily="34" charset="-127"/>
+                <a:ea typeface="Noto Sans KR" panose="020B0500000000000000" pitchFamily="34" charset="-127"/>
+              </a:rPr>
+              <a:t>           </a:t>
+            </a:r>
+            <a:r>
+              <a:rPr lang="ko-KR" altLang="en-US" sz="2000" b="1" dirty="0">
+                <a:latin typeface="Noto Sans KR" panose="020B0500000000000000" pitchFamily="34" charset="-127"/>
+                <a:ea typeface="Noto Sans KR" panose="020B0500000000000000" pitchFamily="34" charset="-127"/>
+              </a:rPr>
+              <a:t>어떻게 </a:t>
+            </a:r>
+            <a:r>
+              <a:rPr lang="ko-KR" altLang="en-US" sz="2000" b="1" dirty="0" err="1">
+                <a:latin typeface="Noto Sans KR" panose="020B0500000000000000" pitchFamily="34" charset="-127"/>
+                <a:ea typeface="Noto Sans KR" panose="020B0500000000000000" pitchFamily="34" charset="-127"/>
+              </a:rPr>
+              <a:t>짜야할</a:t>
+            </a:r>
+            <a:r>
+              <a:rPr lang="ko-KR" altLang="en-US" sz="2000" b="1" dirty="0">
+                <a:latin typeface="Noto Sans KR" panose="020B0500000000000000" pitchFamily="34" charset="-127"/>
+                <a:ea typeface="Noto Sans KR" panose="020B0500000000000000" pitchFamily="34" charset="-127"/>
+              </a:rPr>
+              <a:t> 지 어려움이 있었는데 원래 홈페이지 코드를 참고해가면서 모르는 부분들을 </a:t>
+            </a:r>
+            <a:endParaRPr lang="en-US" altLang="ko-KR" sz="2000" b="1" dirty="0">
               <a:latin typeface="Noto Sans KR" panose="020B0500000000000000" pitchFamily="34" charset="-127"/>
               <a:ea typeface="Noto Sans KR" panose="020B0500000000000000" pitchFamily="34" charset="-127"/>
             </a:endParaRPr>
           </a:p>
           <a:p>
             <a:r>
-              <a:rPr lang="ko-KR" altLang="en-US" sz="2400" b="1" dirty="0">
-                <a:latin typeface="Noto Sans KR" panose="020B0500000000000000" pitchFamily="34" charset="-127"/>
-                <a:ea typeface="Noto Sans KR" panose="020B0500000000000000" pitchFamily="34" charset="-127"/>
-              </a:rPr>
-              <a:t>기르게 되었다</a:t>
-            </a:r>
-            <a:r>
-              <a:rPr lang="en-US" altLang="ko-KR" sz="2400" b="1" dirty="0">
+              <a:rPr lang="en-US" altLang="ko-KR" sz="2000" b="1" dirty="0">
+                <a:latin typeface="Noto Sans KR" panose="020B0500000000000000" pitchFamily="34" charset="-127"/>
+                <a:ea typeface="Noto Sans KR" panose="020B0500000000000000" pitchFamily="34" charset="-127"/>
+              </a:rPr>
+              <a:t>           </a:t>
+            </a:r>
+            <a:r>
+              <a:rPr lang="ko-KR" altLang="en-US" sz="2000" b="1" dirty="0">
+                <a:latin typeface="Noto Sans KR" panose="020B0500000000000000" pitchFamily="34" charset="-127"/>
+                <a:ea typeface="Noto Sans KR" panose="020B0500000000000000" pitchFamily="34" charset="-127"/>
+              </a:rPr>
+              <a:t>직접 찾아가며 새로운 코드들에 대해 알아갈 수 있었고 점점 홈페이지의 구조를 </a:t>
+            </a:r>
+            <a:endParaRPr lang="en-US" altLang="ko-KR" sz="2000" b="1" dirty="0">
+              <a:latin typeface="Noto Sans KR" panose="020B0500000000000000" pitchFamily="34" charset="-127"/>
+              <a:ea typeface="Noto Sans KR" panose="020B0500000000000000" pitchFamily="34" charset="-127"/>
+            </a:endParaRPr>
+          </a:p>
+          <a:p>
+            <a:r>
+              <a:rPr lang="en-US" altLang="ko-KR" sz="2000" b="1" dirty="0">
+                <a:latin typeface="Noto Sans KR" panose="020B0500000000000000" pitchFamily="34" charset="-127"/>
+                <a:ea typeface="Noto Sans KR" panose="020B0500000000000000" pitchFamily="34" charset="-127"/>
+              </a:rPr>
+              <a:t>           </a:t>
+            </a:r>
+            <a:r>
+              <a:rPr lang="ko-KR" altLang="en-US" sz="2000" b="1" dirty="0" err="1">
+                <a:latin typeface="Noto Sans KR" panose="020B0500000000000000" pitchFamily="34" charset="-127"/>
+                <a:ea typeface="Noto Sans KR" panose="020B0500000000000000" pitchFamily="34" charset="-127"/>
+              </a:rPr>
+              <a:t>갖춰나갈</a:t>
+            </a:r>
+            <a:r>
+              <a:rPr lang="ko-KR" altLang="en-US" sz="2000" b="1" dirty="0">
+                <a:latin typeface="Noto Sans KR" panose="020B0500000000000000" pitchFamily="34" charset="-127"/>
+                <a:ea typeface="Noto Sans KR" panose="020B0500000000000000" pitchFamily="34" charset="-127"/>
+              </a:rPr>
+              <a:t> 수 있는 방법을 배울 수 있어 좋았습니다</a:t>
+            </a:r>
+            <a:r>
+              <a:rPr lang="en-US" altLang="ko-KR" sz="2000" b="1" dirty="0">
                 <a:latin typeface="Noto Sans KR" panose="020B0500000000000000" pitchFamily="34" charset="-127"/>
                 <a:ea typeface="Noto Sans KR" panose="020B0500000000000000" pitchFamily="34" charset="-127"/>
               </a:rPr>
               <a:t>.</a:t>
             </a:r>
-            <a:endParaRPr lang="ko-KR" altLang="en-US" sz="2400" dirty="0"/>
+            <a:endParaRPr lang="ko-KR" altLang="en-US" sz="2000" b="1" dirty="0">
+              <a:latin typeface="Noto Sans KR" panose="020B0500000000000000" pitchFamily="34" charset="-127"/>
+              <a:ea typeface="Noto Sans KR" panose="020B0500000000000000" pitchFamily="34" charset="-127"/>
+            </a:endParaRPr>
           </a:p>
         </p:txBody>
       </p:sp>
@@ -6115,6 +6103,651 @@
         <p:spPr>
           <a:xfrm>
             <a:off x="643272" y="596313"/>
+            <a:ext cx="3310522" cy="584775"/>
+          </a:xfrm>
+          <a:prstGeom prst="rect">
+            <a:avLst/>
+          </a:prstGeom>
+          <a:noFill/>
+        </p:spPr>
+        <p:txBody>
+          <a:bodyPr wrap="none" rtlCol="0">
+            <a:spAutoFit/>
+          </a:bodyPr>
+          <a:lstStyle/>
+          <a:p>
+            <a:r>
+              <a:rPr lang="en-US" altLang="ko-KR" sz="3200" b="1" dirty="0">
+                <a:solidFill>
+                  <a:srgbClr val="0040C0"/>
+                </a:solidFill>
+                <a:latin typeface="Noto Sans KR" panose="020B0500000000000000" pitchFamily="34" charset="-127"/>
+                <a:ea typeface="Noto Sans KR" panose="020B0500000000000000" pitchFamily="34" charset="-127"/>
+              </a:rPr>
+              <a:t>07  </a:t>
+            </a:r>
+            <a:r>
+              <a:rPr lang="ko-KR" altLang="en-US" sz="3200" b="1" dirty="0">
+                <a:solidFill>
+                  <a:srgbClr val="0040C0"/>
+                </a:solidFill>
+                <a:latin typeface="Noto Sans KR" panose="020B0500000000000000" pitchFamily="34" charset="-127"/>
+                <a:ea typeface="Noto Sans KR" panose="020B0500000000000000" pitchFamily="34" charset="-127"/>
+              </a:rPr>
+              <a:t>필요 개선 사항</a:t>
+            </a:r>
+          </a:p>
+        </p:txBody>
+      </p:sp>
+      <p:grpSp>
+        <p:nvGrpSpPr>
+          <p:cNvPr id="13" name="그룹 12">
+            <a:extLst>
+              <a:ext uri="{FF2B5EF4-FFF2-40B4-BE49-F238E27FC236}">
+                <a16:creationId xmlns:a16="http://schemas.microsoft.com/office/drawing/2014/main" id="{75370A23-AC5F-FBB0-A8B5-F65AC4DE0860}"/>
+              </a:ext>
+            </a:extLst>
+          </p:cNvPr>
+          <p:cNvGrpSpPr/>
+          <p:nvPr/>
+        </p:nvGrpSpPr>
+        <p:grpSpPr>
+          <a:xfrm>
+            <a:off x="1088066" y="5921516"/>
+            <a:ext cx="9813851" cy="3125973"/>
+            <a:chOff x="2955851" y="5380074"/>
+            <a:chExt cx="9813851" cy="3125973"/>
+          </a:xfrm>
+        </p:grpSpPr>
+        <p:grpSp>
+          <p:nvGrpSpPr>
+            <p:cNvPr id="14" name="그룹 13">
+              <a:extLst>
+                <a:ext uri="{FF2B5EF4-FFF2-40B4-BE49-F238E27FC236}">
+                  <a16:creationId xmlns:a16="http://schemas.microsoft.com/office/drawing/2014/main" id="{E9C82EC9-A775-4D66-48E2-AC22661095CC}"/>
+                </a:ext>
+              </a:extLst>
+            </p:cNvPr>
+            <p:cNvGrpSpPr/>
+            <p:nvPr/>
+          </p:nvGrpSpPr>
+          <p:grpSpPr>
+            <a:xfrm>
+              <a:off x="2955851" y="5380074"/>
+              <a:ext cx="9813851" cy="2360428"/>
+              <a:chOff x="2955851" y="5380074"/>
+              <a:chExt cx="9813851" cy="2360428"/>
+            </a:xfrm>
+          </p:grpSpPr>
+          <p:sp>
+            <p:nvSpPr>
+              <p:cNvPr id="16" name="타원 15">
+                <a:extLst>
+                  <a:ext uri="{FF2B5EF4-FFF2-40B4-BE49-F238E27FC236}">
+                    <a16:creationId xmlns:a16="http://schemas.microsoft.com/office/drawing/2014/main" id="{705CD460-3CC1-99E3-5C97-CC01F3563827}"/>
+                  </a:ext>
+                </a:extLst>
+              </p:cNvPr>
+              <p:cNvSpPr/>
+              <p:nvPr/>
+            </p:nvSpPr>
+            <p:spPr>
+              <a:xfrm>
+                <a:off x="2955851" y="5380074"/>
+                <a:ext cx="2360428" cy="2360428"/>
+              </a:xfrm>
+              <a:prstGeom prst="ellipse">
+                <a:avLst/>
+              </a:prstGeom>
+              <a:solidFill>
+                <a:schemeClr val="bg1">
+                  <a:lumMod val="75000"/>
+                  <a:alpha val="89804"/>
+                </a:schemeClr>
+              </a:solidFill>
+              <a:ln>
+                <a:noFill/>
+              </a:ln>
+            </p:spPr>
+            <p:style>
+              <a:lnRef idx="2">
+                <a:schemeClr val="accent1">
+                  <a:shade val="15000"/>
+                </a:schemeClr>
+              </a:lnRef>
+              <a:fillRef idx="1">
+                <a:schemeClr val="accent1"/>
+              </a:fillRef>
+              <a:effectRef idx="0">
+                <a:schemeClr val="accent1"/>
+              </a:effectRef>
+              <a:fontRef idx="minor">
+                <a:schemeClr val="lt1"/>
+              </a:fontRef>
+            </p:style>
+            <p:txBody>
+              <a:bodyPr rtlCol="0" anchor="ctr"/>
+              <a:lstStyle/>
+              <a:p>
+                <a:pPr algn="ctr"/>
+                <a:endParaRPr lang="ko-KR" altLang="en-US" dirty="0"/>
+              </a:p>
+            </p:txBody>
+          </p:sp>
+          <p:sp>
+            <p:nvSpPr>
+              <p:cNvPr id="17" name="타원 16">
+                <a:extLst>
+                  <a:ext uri="{FF2B5EF4-FFF2-40B4-BE49-F238E27FC236}">
+                    <a16:creationId xmlns:a16="http://schemas.microsoft.com/office/drawing/2014/main" id="{9F3870A6-1C50-E184-A33D-7F93FC00ED76}"/>
+                  </a:ext>
+                </a:extLst>
+              </p:cNvPr>
+              <p:cNvSpPr/>
+              <p:nvPr/>
+            </p:nvSpPr>
+            <p:spPr>
+              <a:xfrm>
+                <a:off x="4610989" y="5380074"/>
+                <a:ext cx="2360428" cy="2360428"/>
+              </a:xfrm>
+              <a:prstGeom prst="ellipse">
+                <a:avLst/>
+              </a:prstGeom>
+              <a:solidFill>
+                <a:schemeClr val="bg1">
+                  <a:lumMod val="65000"/>
+                  <a:alpha val="89804"/>
+                </a:schemeClr>
+              </a:solidFill>
+              <a:ln>
+                <a:noFill/>
+              </a:ln>
+            </p:spPr>
+            <p:style>
+              <a:lnRef idx="2">
+                <a:schemeClr val="accent1">
+                  <a:shade val="15000"/>
+                </a:schemeClr>
+              </a:lnRef>
+              <a:fillRef idx="1">
+                <a:schemeClr val="accent1"/>
+              </a:fillRef>
+              <a:effectRef idx="0">
+                <a:schemeClr val="accent1"/>
+              </a:effectRef>
+              <a:fontRef idx="minor">
+                <a:schemeClr val="lt1"/>
+              </a:fontRef>
+            </p:style>
+            <p:txBody>
+              <a:bodyPr rtlCol="0" anchor="ctr"/>
+              <a:lstStyle/>
+              <a:p>
+                <a:pPr algn="ctr"/>
+                <a:endParaRPr lang="ko-KR" altLang="en-US"/>
+              </a:p>
+            </p:txBody>
+          </p:sp>
+          <p:sp>
+            <p:nvSpPr>
+              <p:cNvPr id="18" name="타원 17">
+                <a:extLst>
+                  <a:ext uri="{FF2B5EF4-FFF2-40B4-BE49-F238E27FC236}">
+                    <a16:creationId xmlns:a16="http://schemas.microsoft.com/office/drawing/2014/main" id="{81DD0F39-FB80-247F-7B17-FEEF874642B2}"/>
+                  </a:ext>
+                </a:extLst>
+              </p:cNvPr>
+              <p:cNvSpPr/>
+              <p:nvPr/>
+            </p:nvSpPr>
+            <p:spPr>
+              <a:xfrm>
+                <a:off x="10409274" y="5380074"/>
+                <a:ext cx="2360428" cy="2360428"/>
+              </a:xfrm>
+              <a:prstGeom prst="ellipse">
+                <a:avLst/>
+              </a:prstGeom>
+              <a:solidFill>
+                <a:schemeClr val="bg1">
+                  <a:lumMod val="65000"/>
+                  <a:alpha val="89804"/>
+                </a:schemeClr>
+              </a:solidFill>
+              <a:ln>
+                <a:noFill/>
+              </a:ln>
+            </p:spPr>
+            <p:style>
+              <a:lnRef idx="2">
+                <a:schemeClr val="accent1">
+                  <a:shade val="15000"/>
+                </a:schemeClr>
+              </a:lnRef>
+              <a:fillRef idx="1">
+                <a:schemeClr val="accent1"/>
+              </a:fillRef>
+              <a:effectRef idx="0">
+                <a:schemeClr val="accent1"/>
+              </a:effectRef>
+              <a:fontRef idx="minor">
+                <a:schemeClr val="lt1"/>
+              </a:fontRef>
+            </p:style>
+            <p:txBody>
+              <a:bodyPr rtlCol="0" anchor="ctr"/>
+              <a:lstStyle/>
+              <a:p>
+                <a:pPr algn="ctr"/>
+                <a:endParaRPr lang="ko-KR" altLang="en-US"/>
+              </a:p>
+            </p:txBody>
+          </p:sp>
+          <p:sp>
+            <p:nvSpPr>
+              <p:cNvPr id="19" name="타원 18">
+                <a:extLst>
+                  <a:ext uri="{FF2B5EF4-FFF2-40B4-BE49-F238E27FC236}">
+                    <a16:creationId xmlns:a16="http://schemas.microsoft.com/office/drawing/2014/main" id="{920F809F-4A73-F5F6-50B7-5AB61B2587F5}"/>
+                  </a:ext>
+                </a:extLst>
+              </p:cNvPr>
+              <p:cNvSpPr/>
+              <p:nvPr/>
+            </p:nvSpPr>
+            <p:spPr>
+              <a:xfrm>
+                <a:off x="5964868" y="5380074"/>
+                <a:ext cx="2360428" cy="2360428"/>
+              </a:xfrm>
+              <a:prstGeom prst="ellipse">
+                <a:avLst/>
+              </a:prstGeom>
+              <a:solidFill>
+                <a:schemeClr val="bg1">
+                  <a:lumMod val="50000"/>
+                </a:schemeClr>
+              </a:solidFill>
+              <a:ln>
+                <a:noFill/>
+              </a:ln>
+            </p:spPr>
+            <p:style>
+              <a:lnRef idx="2">
+                <a:schemeClr val="accent1">
+                  <a:shade val="15000"/>
+                </a:schemeClr>
+              </a:lnRef>
+              <a:fillRef idx="1">
+                <a:schemeClr val="accent1"/>
+              </a:fillRef>
+              <a:effectRef idx="0">
+                <a:schemeClr val="accent1"/>
+              </a:effectRef>
+              <a:fontRef idx="minor">
+                <a:schemeClr val="lt1"/>
+              </a:fontRef>
+            </p:style>
+            <p:txBody>
+              <a:bodyPr rtlCol="0" anchor="ctr"/>
+              <a:lstStyle/>
+              <a:p>
+                <a:pPr algn="ctr"/>
+                <a:endParaRPr lang="ko-KR" altLang="en-US"/>
+              </a:p>
+            </p:txBody>
+          </p:sp>
+          <p:sp>
+            <p:nvSpPr>
+              <p:cNvPr id="20" name="타원 19">
+                <a:extLst>
+                  <a:ext uri="{FF2B5EF4-FFF2-40B4-BE49-F238E27FC236}">
+                    <a16:creationId xmlns:a16="http://schemas.microsoft.com/office/drawing/2014/main" id="{73B63253-BED2-03C9-4B39-65F4DF0C9784}"/>
+                  </a:ext>
+                </a:extLst>
+              </p:cNvPr>
+              <p:cNvSpPr/>
+              <p:nvPr/>
+            </p:nvSpPr>
+            <p:spPr>
+              <a:xfrm>
+                <a:off x="9200707" y="5380074"/>
+                <a:ext cx="2360428" cy="2360428"/>
+              </a:xfrm>
+              <a:prstGeom prst="ellipse">
+                <a:avLst/>
+              </a:prstGeom>
+              <a:solidFill>
+                <a:schemeClr val="bg1">
+                  <a:lumMod val="50000"/>
+                </a:schemeClr>
+              </a:solidFill>
+              <a:ln>
+                <a:noFill/>
+              </a:ln>
+            </p:spPr>
+            <p:style>
+              <a:lnRef idx="2">
+                <a:schemeClr val="accent1">
+                  <a:shade val="15000"/>
+                </a:schemeClr>
+              </a:lnRef>
+              <a:fillRef idx="1">
+                <a:schemeClr val="accent1"/>
+              </a:fillRef>
+              <a:effectRef idx="0">
+                <a:schemeClr val="accent1"/>
+              </a:effectRef>
+              <a:fontRef idx="minor">
+                <a:schemeClr val="lt1"/>
+              </a:fontRef>
+            </p:style>
+            <p:txBody>
+              <a:bodyPr rtlCol="0" anchor="ctr"/>
+              <a:lstStyle/>
+              <a:p>
+                <a:pPr algn="ctr"/>
+                <a:endParaRPr lang="ko-KR" altLang="en-US"/>
+              </a:p>
+            </p:txBody>
+          </p:sp>
+        </p:grpSp>
+        <p:sp>
+          <p:nvSpPr>
+            <p:cNvPr id="15" name="달 14">
+              <a:extLst>
+                <a:ext uri="{FF2B5EF4-FFF2-40B4-BE49-F238E27FC236}">
+                  <a16:creationId xmlns:a16="http://schemas.microsoft.com/office/drawing/2014/main" id="{587EF7C5-CABB-7600-652E-7C6661909879}"/>
+                </a:ext>
+              </a:extLst>
+            </p:cNvPr>
+            <p:cNvSpPr/>
+            <p:nvPr/>
+          </p:nvSpPr>
+          <p:spPr>
+            <a:xfrm rot="16200000">
+              <a:off x="7237230" y="5479313"/>
+              <a:ext cx="3051544" cy="3001924"/>
+            </a:xfrm>
+            <a:prstGeom prst="moon">
+              <a:avLst>
+                <a:gd name="adj" fmla="val 87500"/>
+              </a:avLst>
+            </a:prstGeom>
+            <a:solidFill>
+              <a:schemeClr val="bg1">
+                <a:lumMod val="50000"/>
+              </a:schemeClr>
+            </a:solidFill>
+            <a:ln>
+              <a:noFill/>
+            </a:ln>
+          </p:spPr>
+          <p:style>
+            <a:lnRef idx="2">
+              <a:schemeClr val="accent1">
+                <a:shade val="15000"/>
+              </a:schemeClr>
+            </a:lnRef>
+            <a:fillRef idx="1">
+              <a:schemeClr val="accent1"/>
+            </a:fillRef>
+            <a:effectRef idx="0">
+              <a:schemeClr val="accent1"/>
+            </a:effectRef>
+            <a:fontRef idx="minor">
+              <a:schemeClr val="lt1"/>
+            </a:fontRef>
+          </p:style>
+          <p:txBody>
+            <a:bodyPr rtlCol="0" anchor="ctr"/>
+            <a:lstStyle/>
+            <a:p>
+              <a:pPr algn="ctr"/>
+              <a:endParaRPr lang="ko-KR" altLang="en-US"/>
+            </a:p>
+          </p:txBody>
+        </p:sp>
+      </p:grpSp>
+      <p:pic>
+        <p:nvPicPr>
+          <p:cNvPr id="3" name="그림 2" descr="텍스트, 스크린샷, 라인, 폰트이(가) 표시된 사진&#10;&#10;자동 생성된 설명">
+            <a:extLst>
+              <a:ext uri="{FF2B5EF4-FFF2-40B4-BE49-F238E27FC236}">
+                <a16:creationId xmlns:a16="http://schemas.microsoft.com/office/drawing/2014/main" id="{9289A32E-E00F-1203-5A49-2BA5582A58EE}"/>
+              </a:ext>
+            </a:extLst>
+          </p:cNvPr>
+          <p:cNvPicPr>
+            <a:picLocks noChangeAspect="1"/>
+          </p:cNvPicPr>
+          <p:nvPr/>
+        </p:nvPicPr>
+        <p:blipFill rotWithShape="1">
+          <a:blip r:embed="rId2">
+            <a:extLst>
+              <a:ext uri="{28A0092B-C50C-407E-A947-70E740481C1C}">
+                <a14:useLocalDpi xmlns:a14="http://schemas.microsoft.com/office/drawing/2010/main" val="0"/>
+              </a:ext>
+            </a:extLst>
+          </a:blip>
+          <a:srcRect l="1343" t="3837" r="1821" b="4049"/>
+          <a:stretch/>
+        </p:blipFill>
+        <p:spPr>
+          <a:xfrm>
+            <a:off x="6200503" y="2020389"/>
+            <a:ext cx="5329645" cy="2211977"/>
+          </a:xfrm>
+          <a:prstGeom prst="rect">
+            <a:avLst/>
+          </a:prstGeom>
+        </p:spPr>
+      </p:pic>
+      <p:cxnSp>
+        <p:nvCxnSpPr>
+          <p:cNvPr id="12" name="직선 화살표 연결선 11">
+            <a:extLst>
+              <a:ext uri="{FF2B5EF4-FFF2-40B4-BE49-F238E27FC236}">
+                <a16:creationId xmlns:a16="http://schemas.microsoft.com/office/drawing/2014/main" id="{885452AE-4258-9817-FCB9-39BE3606DEB6}"/>
+              </a:ext>
+            </a:extLst>
+          </p:cNvPr>
+          <p:cNvCxnSpPr>
+            <a:cxnSpLocks/>
+          </p:cNvCxnSpPr>
+          <p:nvPr/>
+        </p:nvCxnSpPr>
+        <p:spPr>
+          <a:xfrm>
+            <a:off x="4772706" y="3086377"/>
+            <a:ext cx="889590" cy="0"/>
+          </a:xfrm>
+          <a:prstGeom prst="straightConnector1">
+            <a:avLst/>
+          </a:prstGeom>
+          <a:ln w="76200">
+            <a:solidFill>
+              <a:schemeClr val="bg1">
+                <a:lumMod val="50000"/>
+              </a:schemeClr>
+            </a:solidFill>
+            <a:tailEnd type="triangle"/>
+          </a:ln>
+        </p:spPr>
+        <p:style>
+          <a:lnRef idx="1">
+            <a:schemeClr val="accent1"/>
+          </a:lnRef>
+          <a:fillRef idx="0">
+            <a:schemeClr val="accent1"/>
+          </a:fillRef>
+          <a:effectRef idx="0">
+            <a:schemeClr val="accent1"/>
+          </a:effectRef>
+          <a:fontRef idx="minor">
+            <a:schemeClr val="tx1"/>
+          </a:fontRef>
+        </p:style>
+      </p:cxnSp>
+      <p:sp>
+        <p:nvSpPr>
+          <p:cNvPr id="21" name="TextBox 20">
+            <a:extLst>
+              <a:ext uri="{FF2B5EF4-FFF2-40B4-BE49-F238E27FC236}">
+                <a16:creationId xmlns:a16="http://schemas.microsoft.com/office/drawing/2014/main" id="{FF09B19B-0DE5-E2F1-55B1-39CE17E8193B}"/>
+              </a:ext>
+            </a:extLst>
+          </p:cNvPr>
+          <p:cNvSpPr txBox="1"/>
+          <p:nvPr/>
+        </p:nvSpPr>
+        <p:spPr>
+          <a:xfrm>
+            <a:off x="2172974" y="4415083"/>
+            <a:ext cx="766355" cy="400110"/>
+          </a:xfrm>
+          <a:prstGeom prst="rect">
+            <a:avLst/>
+          </a:prstGeom>
+          <a:noFill/>
+        </p:spPr>
+        <p:txBody>
+          <a:bodyPr wrap="square" rtlCol="0">
+            <a:spAutoFit/>
+          </a:bodyPr>
+          <a:lstStyle/>
+          <a:p>
+            <a:r>
+              <a:rPr lang="ko-KR" altLang="en-US" sz="2000" b="1" dirty="0">
+                <a:latin typeface="Noto Sans KR" panose="020B0500000000000000" pitchFamily="34" charset="-127"/>
+                <a:ea typeface="Noto Sans KR" panose="020B0500000000000000" pitchFamily="34" charset="-127"/>
+              </a:rPr>
+              <a:t>현재</a:t>
+            </a:r>
+          </a:p>
+        </p:txBody>
+      </p:sp>
+      <p:sp>
+        <p:nvSpPr>
+          <p:cNvPr id="22" name="TextBox 21">
+            <a:extLst>
+              <a:ext uri="{FF2B5EF4-FFF2-40B4-BE49-F238E27FC236}">
+                <a16:creationId xmlns:a16="http://schemas.microsoft.com/office/drawing/2014/main" id="{C446CF13-DF62-F7CF-F593-024145A43ECC}"/>
+              </a:ext>
+            </a:extLst>
+          </p:cNvPr>
+          <p:cNvSpPr txBox="1"/>
+          <p:nvPr/>
+        </p:nvSpPr>
+        <p:spPr>
+          <a:xfrm>
+            <a:off x="8499565" y="4415083"/>
+            <a:ext cx="766355" cy="400110"/>
+          </a:xfrm>
+          <a:prstGeom prst="rect">
+            <a:avLst/>
+          </a:prstGeom>
+          <a:noFill/>
+        </p:spPr>
+        <p:txBody>
+          <a:bodyPr wrap="square" rtlCol="0">
+            <a:spAutoFit/>
+          </a:bodyPr>
+          <a:lstStyle/>
+          <a:p>
+            <a:r>
+              <a:rPr lang="ko-KR" altLang="en-US" sz="2000" b="1" dirty="0">
+                <a:latin typeface="Noto Sans KR" panose="020B0500000000000000" pitchFamily="34" charset="-127"/>
+                <a:ea typeface="Noto Sans KR" panose="020B0500000000000000" pitchFamily="34" charset="-127"/>
+              </a:rPr>
+              <a:t>개선</a:t>
+            </a:r>
+          </a:p>
+        </p:txBody>
+      </p:sp>
+      <p:pic>
+        <p:nvPicPr>
+          <p:cNvPr id="5" name="그림 4" descr="도표, 스케치, 라인, 디자인이(가) 표시된 사진&#10;&#10;자동 생성된 설명">
+            <a:extLst>
+              <a:ext uri="{FF2B5EF4-FFF2-40B4-BE49-F238E27FC236}">
+                <a16:creationId xmlns:a16="http://schemas.microsoft.com/office/drawing/2014/main" id="{076501A2-EA49-DB38-4CF2-AED6CA19DED5}"/>
+              </a:ext>
+            </a:extLst>
+          </p:cNvPr>
+          <p:cNvPicPr>
+            <a:picLocks noChangeAspect="1"/>
+          </p:cNvPicPr>
+          <p:nvPr/>
+        </p:nvPicPr>
+        <p:blipFill>
+          <a:blip r:embed="rId3">
+            <a:extLst>
+              <a:ext uri="{28A0092B-C50C-407E-A947-70E740481C1C}">
+                <a14:useLocalDpi xmlns:a14="http://schemas.microsoft.com/office/drawing/2010/main" val="0"/>
+              </a:ext>
+            </a:extLst>
+          </a:blip>
+          <a:stretch>
+            <a:fillRect/>
+          </a:stretch>
+        </p:blipFill>
+        <p:spPr>
+          <a:xfrm>
+            <a:off x="738470" y="2020389"/>
+            <a:ext cx="3496029" cy="2092838"/>
+          </a:xfrm>
+          <a:prstGeom prst="rect">
+            <a:avLst/>
+          </a:prstGeom>
+        </p:spPr>
+      </p:pic>
+    </p:spTree>
+    <p:extLst>
+      <p:ext uri="{BB962C8B-B14F-4D97-AF65-F5344CB8AC3E}">
+        <p14:creationId xmlns:p14="http://schemas.microsoft.com/office/powerpoint/2010/main" val="3478942821"/>
+      </p:ext>
+    </p:extLst>
+  </p:cSld>
+  <p:clrMapOvr>
+    <a:masterClrMapping/>
+  </p:clrMapOvr>
+</p:sld>
+</file>
+
+<file path=ppt/slides/slide14.xml><?xml version="1.0" encoding="utf-8"?>
+<p:sld xmlns:a="http://schemas.openxmlformats.org/drawingml/2006/main" xmlns:r="http://schemas.openxmlformats.org/officeDocument/2006/relationships" xmlns:p="http://schemas.openxmlformats.org/presentationml/2006/main">
+  <p:cSld>
+    <p:spTree>
+      <p:nvGrpSpPr>
+        <p:cNvPr id="1" name=""/>
+        <p:cNvGrpSpPr/>
+        <p:nvPr/>
+      </p:nvGrpSpPr>
+      <p:grpSpPr>
+        <a:xfrm>
+          <a:off x="0" y="0"/>
+          <a:ext cx="0" cy="0"/>
+          <a:chOff x="0" y="0"/>
+          <a:chExt cx="0" cy="0"/>
+        </a:xfrm>
+      </p:grpSpPr>
+      <p:sp>
+        <p:nvSpPr>
+          <p:cNvPr id="4" name="TextBox 3">
+            <a:extLst>
+              <a:ext uri="{FF2B5EF4-FFF2-40B4-BE49-F238E27FC236}">
+                <a16:creationId xmlns:a16="http://schemas.microsoft.com/office/drawing/2014/main" id="{56BE6E6F-4512-4A82-2604-A562EEE72B24}"/>
+              </a:ext>
+            </a:extLst>
+          </p:cNvPr>
+          <p:cNvSpPr txBox="1"/>
+          <p:nvPr/>
+        </p:nvSpPr>
+        <p:spPr>
+          <a:xfrm>
+            <a:off x="643272" y="596313"/>
             <a:ext cx="2460930" cy="584775"/>
           </a:xfrm>
           <a:prstGeom prst="rect">
@@ -6136,7 +6769,7 @@
                 <a:latin typeface="Noto Sans KR" panose="020B0500000000000000" pitchFamily="34" charset="-127"/>
                 <a:ea typeface="Noto Sans KR" panose="020B0500000000000000" pitchFamily="34" charset="-127"/>
               </a:rPr>
-              <a:t>07  </a:t>
+              <a:t>08  </a:t>
             </a:r>
             <a:r>
               <a:rPr lang="ko-KR" altLang="en-US" sz="3200" b="1" dirty="0">
@@ -6843,7 +7476,7 @@
 </p:sld>
 </file>
 
-<file path=ppt/slides/slide14.xml><?xml version="1.0" encoding="utf-8"?>
+<file path=ppt/slides/slide15.xml><?xml version="1.0" encoding="utf-8"?>
 <p:sld xmlns:a="http://schemas.openxmlformats.org/drawingml/2006/main" xmlns:r="http://schemas.openxmlformats.org/officeDocument/2006/relationships" xmlns:p="http://schemas.openxmlformats.org/presentationml/2006/main">
   <p:cSld>
     <p:spTree>
@@ -7872,7 +8505,7 @@
         <p:spPr>
           <a:xfrm>
             <a:off x="1894363" y="2141400"/>
-            <a:ext cx="4645824" cy="3108543"/>
+            <a:ext cx="4645824" cy="3539430"/>
           </a:xfrm>
           <a:prstGeom prst="rect">
             <a:avLst/>
@@ -7995,6 +8628,22 @@
                 <a:ea typeface="Noto Sans KR" panose="020B0500000000000000" pitchFamily="34" charset="-127"/>
               </a:rPr>
               <a:t>문제 해결 방법 및 느낀 점</a:t>
+            </a:r>
+            <a:endParaRPr lang="en-US" altLang="ko-KR" sz="2800" b="1" dirty="0">
+              <a:latin typeface="Noto Sans KR" panose="020B0500000000000000" pitchFamily="34" charset="-127"/>
+              <a:ea typeface="Noto Sans KR" panose="020B0500000000000000" pitchFamily="34" charset="-127"/>
+            </a:endParaRPr>
+          </a:p>
+          <a:p>
+            <a:pPr marL="742950" indent="-742950">
+              <a:buAutoNum type="arabicPeriod"/>
+            </a:pPr>
+            <a:r>
+              <a:rPr lang="ko-KR" altLang="en-US" sz="2800" b="1" dirty="0">
+                <a:latin typeface="Noto Sans KR" panose="020B0500000000000000" pitchFamily="34" charset="-127"/>
+                <a:ea typeface="Noto Sans KR" panose="020B0500000000000000" pitchFamily="34" charset="-127"/>
+              </a:rPr>
+              <a:t>필요 개선 사항</a:t>
             </a:r>
             <a:endParaRPr lang="en-US" altLang="ko-KR" sz="2800" b="1" dirty="0">
               <a:latin typeface="Noto Sans KR" panose="020B0500000000000000" pitchFamily="34" charset="-127"/>
@@ -8348,20 +8997,6 @@
             <a:pPr marL="342900" indent="-342900">
               <a:buAutoNum type="arabicPeriod"/>
             </a:pPr>
-            <a:r>
-              <a:rPr lang="en-US" altLang="ko-KR" sz="2000" b="1" dirty="0">
-                <a:latin typeface="Noto Sans KR" panose="020B0500000000000000" pitchFamily="34" charset="-127"/>
-                <a:ea typeface="Noto Sans KR" panose="020B0500000000000000" pitchFamily="34" charset="-127"/>
-              </a:rPr>
-              <a:t>html </a:t>
-            </a:r>
-            <a:r>
-              <a:rPr lang="ko-KR" altLang="en-US" sz="2000" b="1" dirty="0">
-                <a:latin typeface="Noto Sans KR" panose="020B0500000000000000" pitchFamily="34" charset="-127"/>
-                <a:ea typeface="Noto Sans KR" panose="020B0500000000000000" pitchFamily="34" charset="-127"/>
-              </a:rPr>
-              <a:t>구조 → </a:t>
-            </a:r>
             <a:r>
               <a:rPr lang="en-US" altLang="ko-KR" sz="2000" b="1" dirty="0">
                 <a:latin typeface="Noto Sans KR" panose="020B0500000000000000" pitchFamily="34" charset="-127"/>
@@ -9319,8 +9954,8 @@
         </p:nvSpPr>
         <p:spPr>
           <a:xfrm>
-            <a:off x="8547275" y="3980187"/>
-            <a:ext cx="2354642" cy="707886"/>
+            <a:off x="8547274" y="3980187"/>
+            <a:ext cx="3173653" cy="1015663"/>
           </a:xfrm>
           <a:prstGeom prst="rect">
             <a:avLst/>
@@ -9360,6 +9995,37 @@
                 <a:ea typeface="Noto Sans KR" panose="020B0500000000000000" pitchFamily="34" charset="-127"/>
               </a:rPr>
               <a:t>오류 확인 및 수정</a:t>
+            </a:r>
+            <a:endParaRPr lang="en-US" altLang="ko-KR" sz="2000" b="1" dirty="0">
+              <a:latin typeface="Noto Sans KR" panose="020B0500000000000000" pitchFamily="34" charset="-127"/>
+              <a:ea typeface="Noto Sans KR" panose="020B0500000000000000" pitchFamily="34" charset="-127"/>
+            </a:endParaRPr>
+          </a:p>
+          <a:p>
+            <a:pPr marL="342900" indent="-342900">
+              <a:buFont typeface="Arial" panose="020B0604020202020204" pitchFamily="34" charset="0"/>
+              <a:buChar char="•"/>
+            </a:pPr>
+            <a:r>
+              <a:rPr lang="ko-KR" altLang="en-US" sz="2000" b="1" dirty="0">
+                <a:latin typeface="Noto Sans KR" panose="020B0500000000000000" pitchFamily="34" charset="-127"/>
+                <a:ea typeface="Noto Sans KR" panose="020B0500000000000000" pitchFamily="34" charset="-127"/>
+              </a:rPr>
+              <a:t>일관성</a:t>
+            </a:r>
+            <a:r>
+              <a:rPr lang="en-US" altLang="ko-KR" sz="2000" b="1" dirty="0">
+                <a:latin typeface="Noto Sans KR" panose="020B0500000000000000" pitchFamily="34" charset="-127"/>
+                <a:ea typeface="Noto Sans KR" panose="020B0500000000000000" pitchFamily="34" charset="-127"/>
+              </a:rPr>
+              <a:t>, </a:t>
+            </a:r>
+            <a:r>
+              <a:rPr lang="ko-KR" altLang="en-US" sz="2000" b="1" dirty="0">
+                <a:latin typeface="Noto Sans KR" panose="020B0500000000000000" pitchFamily="34" charset="-127"/>
+                <a:ea typeface="Noto Sans KR" panose="020B0500000000000000" pitchFamily="34" charset="-127"/>
+              </a:rPr>
+              <a:t>가독성 좋게 수정</a:t>
             </a:r>
           </a:p>
         </p:txBody>
@@ -10380,29 +11046,8 @@
                 </a:solidFill>
                 <a:latin typeface="Noto Sans KR" panose="020B0500000000000000" pitchFamily="34" charset="-127"/>
                 <a:ea typeface="Noto Sans KR" panose="020B0500000000000000" pitchFamily="34" charset="-127"/>
-                <a:hlinkClick r:id="rId3">
-                  <a:extLst>
-                    <a:ext uri="{A12FA001-AC4F-418D-AE19-62706E023703}">
-                      <ahyp:hlinkClr xmlns:ahyp="http://schemas.microsoft.com/office/drawing/2018/hyperlinkcolor" val="tx"/>
-                    </a:ext>
-                  </a:extLst>
-                </a:hlinkClick>
               </a:rPr>
               <a:t>https://wonderwall.kr</a:t>
-            </a:r>
-            <a:r>
-              <a:rPr lang="ko-KR" altLang="en-US" sz="2000" b="1" dirty="0">
-                <a:latin typeface="Noto Sans KR" panose="020B0500000000000000" pitchFamily="34" charset="-127"/>
-                <a:ea typeface="Noto Sans KR" panose="020B0500000000000000" pitchFamily="34" charset="-127"/>
-                <a:hlinkClick r:id="rId3">
-                  <a:extLst>
-                    <a:ext uri="{A12FA001-AC4F-418D-AE19-62706E023703}">
-                      <ahyp:hlinkClr xmlns:ahyp="http://schemas.microsoft.com/office/drawing/2018/hyperlinkcolor" val="tx"/>
-                    </a:ext>
-                  </a:extLst>
-                </a:hlinkClick>
-              </a:rPr>
-              <a:t>/</a:t>
             </a:r>
             <a:endParaRPr lang="en-US" altLang="ko-KR" sz="2000" b="1" dirty="0">
               <a:latin typeface="Noto Sans KR" panose="020B0500000000000000" pitchFamily="34" charset="-127"/>
@@ -11637,42 +12282,115 @@
           </p:txBody>
         </p:sp>
       </p:grpSp>
-      <p:pic>
-        <p:nvPicPr>
-          <p:cNvPr id="6" name="그림 5" descr="텍스트, 소프트웨어, 컴퓨터 아이콘, 웹 페이지이(가) 표시된 사진&#10;&#10;자동 생성된 설명">
-            <a:extLst>
-              <a:ext uri="{FF2B5EF4-FFF2-40B4-BE49-F238E27FC236}">
-                <a16:creationId xmlns:a16="http://schemas.microsoft.com/office/drawing/2014/main" id="{83F98351-69C5-DB66-A653-E1FA6B9AC42B}"/>
-              </a:ext>
-            </a:extLst>
-          </p:cNvPr>
-          <p:cNvPicPr>
-            <a:picLocks noChangeAspect="1"/>
-          </p:cNvPicPr>
+      <p:grpSp>
+        <p:nvGrpSpPr>
+          <p:cNvPr id="3" name="그룹 2">
+            <a:extLst>
+              <a:ext uri="{FF2B5EF4-FFF2-40B4-BE49-F238E27FC236}">
+                <a16:creationId xmlns:a16="http://schemas.microsoft.com/office/drawing/2014/main" id="{FD003DF1-E480-3AA2-1958-34E9F9D4615F}"/>
+              </a:ext>
+            </a:extLst>
+          </p:cNvPr>
+          <p:cNvGrpSpPr/>
           <p:nvPr/>
-        </p:nvPicPr>
-        <p:blipFill>
-          <a:blip r:embed="rId2">
-            <a:extLst>
-              <a:ext uri="{28A0092B-C50C-407E-A947-70E740481C1C}">
-                <a14:useLocalDpi xmlns:a14="http://schemas.microsoft.com/office/drawing/2010/main" val="0"/>
-              </a:ext>
-            </a:extLst>
-          </a:blip>
-          <a:stretch>
-            <a:fillRect/>
-          </a:stretch>
-        </p:blipFill>
-        <p:spPr>
+        </p:nvGrpSpPr>
+        <p:grpSpPr>
           <a:xfrm>
             <a:off x="1897910" y="1345119"/>
             <a:ext cx="8396179" cy="4412366"/>
+            <a:chOff x="1897910" y="1345119"/>
+            <a:chExt cx="8396179" cy="4412366"/>
           </a:xfrm>
-          <a:prstGeom prst="rect">
-            <a:avLst/>
-          </a:prstGeom>
-        </p:spPr>
-      </p:pic>
+        </p:grpSpPr>
+        <p:pic>
+          <p:nvPicPr>
+            <p:cNvPr id="6" name="그림 5" descr="텍스트, 소프트웨어, 컴퓨터 아이콘, 웹 페이지이(가) 표시된 사진&#10;&#10;자동 생성된 설명">
+              <a:extLst>
+                <a:ext uri="{FF2B5EF4-FFF2-40B4-BE49-F238E27FC236}">
+                  <a16:creationId xmlns:a16="http://schemas.microsoft.com/office/drawing/2014/main" id="{83F98351-69C5-DB66-A653-E1FA6B9AC42B}"/>
+                </a:ext>
+              </a:extLst>
+            </p:cNvPr>
+            <p:cNvPicPr>
+              <a:picLocks noChangeAspect="1"/>
+            </p:cNvPicPr>
+            <p:nvPr/>
+          </p:nvPicPr>
+          <p:blipFill>
+            <a:blip r:embed="rId2">
+              <a:extLst>
+                <a:ext uri="{28A0092B-C50C-407E-A947-70E740481C1C}">
+                  <a14:useLocalDpi xmlns:a14="http://schemas.microsoft.com/office/drawing/2010/main" val="0"/>
+                </a:ext>
+              </a:extLst>
+            </a:blip>
+            <a:stretch>
+              <a:fillRect/>
+            </a:stretch>
+          </p:blipFill>
+          <p:spPr>
+            <a:xfrm>
+              <a:off x="1897910" y="1345119"/>
+              <a:ext cx="8396179" cy="4412366"/>
+            </a:xfrm>
+            <a:prstGeom prst="rect">
+              <a:avLst/>
+            </a:prstGeom>
+          </p:spPr>
+        </p:pic>
+        <p:sp>
+          <p:nvSpPr>
+            <p:cNvPr id="2" name="직사각형 1">
+              <a:extLst>
+                <a:ext uri="{FF2B5EF4-FFF2-40B4-BE49-F238E27FC236}">
+                  <a16:creationId xmlns:a16="http://schemas.microsoft.com/office/drawing/2014/main" id="{1D95ECF2-B3D9-9409-0640-7A448D70F445}"/>
+                </a:ext>
+              </a:extLst>
+            </p:cNvPr>
+            <p:cNvSpPr/>
+            <p:nvPr/>
+          </p:nvSpPr>
+          <p:spPr>
+            <a:xfrm>
+              <a:off x="2020389" y="1555507"/>
+              <a:ext cx="539931" cy="107830"/>
+            </a:xfrm>
+            <a:prstGeom prst="rect">
+              <a:avLst/>
+            </a:prstGeom>
+            <a:solidFill>
+              <a:srgbClr val="ECECEC"/>
+            </a:solidFill>
+            <a:ln>
+              <a:noFill/>
+            </a:ln>
+          </p:spPr>
+          <p:style>
+            <a:lnRef idx="2">
+              <a:schemeClr val="accent1">
+                <a:shade val="15000"/>
+              </a:schemeClr>
+            </a:lnRef>
+            <a:fillRef idx="1">
+              <a:schemeClr val="accent1"/>
+            </a:fillRef>
+            <a:effectRef idx="0">
+              <a:schemeClr val="accent1"/>
+            </a:effectRef>
+            <a:fontRef idx="minor">
+              <a:schemeClr val="lt1"/>
+            </a:fontRef>
+          </p:style>
+          <p:txBody>
+            <a:bodyPr rtlCol="0" anchor="ctr"/>
+            <a:lstStyle/>
+            <a:p>
+              <a:pPr algn="ctr"/>
+              <a:endParaRPr lang="ko-KR" altLang="en-US"/>
+            </a:p>
+          </p:txBody>
+        </p:sp>
+      </p:grpSp>
     </p:spTree>
     <p:extLst>
       <p:ext uri="{BB962C8B-B14F-4D97-AF65-F5344CB8AC3E}">
